--- a/powerpoints/Roc_Day07 - SQL_Basiscs.pptx
+++ b/powerpoints/Roc_Day07 - SQL_Basiscs.pptx
@@ -42792,7 +42792,7 @@
             <a:pPr lvl="1"/>
             <a:r>
               <a:rPr lang="en-US" dirty="0"/>
-              <a:t>Schemas are similar to ‘packages’ in java, and can be used to organize data within your database.</a:t>
+              <a:t>Schemas are similar to ‘packages’ in java and can be used to organize data within your database.</a:t>
             </a:r>
           </a:p>
           <a:p>
